--- a/docs/UI_template_2.pptx
+++ b/docs/UI_template_2.pptx
@@ -296,7 +296,7 @@
           <a:p>
             <a:fld id="{0571DE6C-94C2-42A6-B759-80265BC6C88B}" type="datetimeFigureOut">
               <a:rPr lang="en-US" smtClean="0"/>
-              <a:t>6/17/2014</a:t>
+              <a:t>6/20/2014</a:t>
             </a:fld>
             <a:endParaRPr lang="en-US"/>
           </a:p>
@@ -466,7 +466,7 @@
           <a:p>
             <a:fld id="{0571DE6C-94C2-42A6-B759-80265BC6C88B}" type="datetimeFigureOut">
               <a:rPr lang="en-US" smtClean="0"/>
-              <a:t>6/17/2014</a:t>
+              <a:t>6/20/2014</a:t>
             </a:fld>
             <a:endParaRPr lang="en-US"/>
           </a:p>
@@ -646,7 +646,7 @@
           <a:p>
             <a:fld id="{0571DE6C-94C2-42A6-B759-80265BC6C88B}" type="datetimeFigureOut">
               <a:rPr lang="en-US" smtClean="0"/>
-              <a:t>6/17/2014</a:t>
+              <a:t>6/20/2014</a:t>
             </a:fld>
             <a:endParaRPr lang="en-US"/>
           </a:p>
@@ -816,7 +816,7 @@
           <a:p>
             <a:fld id="{0571DE6C-94C2-42A6-B759-80265BC6C88B}" type="datetimeFigureOut">
               <a:rPr lang="en-US" smtClean="0"/>
-              <a:t>6/17/2014</a:t>
+              <a:t>6/20/2014</a:t>
             </a:fld>
             <a:endParaRPr lang="en-US"/>
           </a:p>
@@ -1062,7 +1062,7 @@
           <a:p>
             <a:fld id="{0571DE6C-94C2-42A6-B759-80265BC6C88B}" type="datetimeFigureOut">
               <a:rPr lang="en-US" smtClean="0"/>
-              <a:t>6/17/2014</a:t>
+              <a:t>6/20/2014</a:t>
             </a:fld>
             <a:endParaRPr lang="en-US"/>
           </a:p>
@@ -1350,7 +1350,7 @@
           <a:p>
             <a:fld id="{0571DE6C-94C2-42A6-B759-80265BC6C88B}" type="datetimeFigureOut">
               <a:rPr lang="en-US" smtClean="0"/>
-              <a:t>6/17/2014</a:t>
+              <a:t>6/20/2014</a:t>
             </a:fld>
             <a:endParaRPr lang="en-US"/>
           </a:p>
@@ -1772,7 +1772,7 @@
           <a:p>
             <a:fld id="{0571DE6C-94C2-42A6-B759-80265BC6C88B}" type="datetimeFigureOut">
               <a:rPr lang="en-US" smtClean="0"/>
-              <a:t>6/17/2014</a:t>
+              <a:t>6/20/2014</a:t>
             </a:fld>
             <a:endParaRPr lang="en-US"/>
           </a:p>
@@ -1890,7 +1890,7 @@
           <a:p>
             <a:fld id="{0571DE6C-94C2-42A6-B759-80265BC6C88B}" type="datetimeFigureOut">
               <a:rPr lang="en-US" smtClean="0"/>
-              <a:t>6/17/2014</a:t>
+              <a:t>6/20/2014</a:t>
             </a:fld>
             <a:endParaRPr lang="en-US"/>
           </a:p>
@@ -1985,7 +1985,7 @@
           <a:p>
             <a:fld id="{0571DE6C-94C2-42A6-B759-80265BC6C88B}" type="datetimeFigureOut">
               <a:rPr lang="en-US" smtClean="0"/>
-              <a:t>6/17/2014</a:t>
+              <a:t>6/20/2014</a:t>
             </a:fld>
             <a:endParaRPr lang="en-US"/>
           </a:p>
@@ -2262,7 +2262,7 @@
           <a:p>
             <a:fld id="{0571DE6C-94C2-42A6-B759-80265BC6C88B}" type="datetimeFigureOut">
               <a:rPr lang="en-US" smtClean="0"/>
-              <a:t>6/17/2014</a:t>
+              <a:t>6/20/2014</a:t>
             </a:fld>
             <a:endParaRPr lang="en-US"/>
           </a:p>
@@ -2515,7 +2515,7 @@
           <a:p>
             <a:fld id="{0571DE6C-94C2-42A6-B759-80265BC6C88B}" type="datetimeFigureOut">
               <a:rPr lang="en-US" smtClean="0"/>
-              <a:t>6/17/2014</a:t>
+              <a:t>6/20/2014</a:t>
             </a:fld>
             <a:endParaRPr lang="en-US"/>
           </a:p>
@@ -2728,7 +2728,7 @@
           <a:p>
             <a:fld id="{0571DE6C-94C2-42A6-B759-80265BC6C88B}" type="datetimeFigureOut">
               <a:rPr lang="en-US" smtClean="0"/>
-              <a:t>6/17/2014</a:t>
+              <a:t>6/20/2014</a:t>
             </a:fld>
             <a:endParaRPr lang="en-US"/>
           </a:p>
@@ -3445,7 +3445,7 @@
           <a:lstStyle/>
           <a:p>
             <a:pPr algn="ctr"/>
-            <a:endParaRPr lang="en-US"/>
+            <a:endParaRPr lang="en-US" dirty="0"/>
           </a:p>
         </p:txBody>
       </p:sp>
@@ -3594,6 +3594,60 @@
               <a:t>(more info) -&gt; Show Open hours…</a:t>
             </a:r>
             <a:endParaRPr lang="en-US" dirty="0"/>
+          </a:p>
+        </p:txBody>
+      </p:sp>
+      <p:sp>
+        <p:nvSpPr>
+          <p:cNvPr id="8" name="TextBox 7"/>
+          <p:cNvSpPr txBox="1"/>
+          <p:nvPr/>
+        </p:nvSpPr>
+        <p:spPr>
+          <a:xfrm>
+            <a:off x="1371600" y="381000"/>
+            <a:ext cx="1828800" cy="369332"/>
+          </a:xfrm>
+          <a:prstGeom prst="rect">
+            <a:avLst/>
+          </a:prstGeom>
+          <a:noFill/>
+        </p:spPr>
+        <p:txBody>
+          <a:bodyPr wrap="square" rtlCol="0">
+            <a:spAutoFit/>
+          </a:bodyPr>
+          <a:lstStyle/>
+          <a:p>
+            <a:r>
+              <a:rPr lang="en-US" dirty="0" err="1" smtClean="0">
+                <a:solidFill>
+                  <a:srgbClr val="FF0000"/>
+                </a:solidFill>
+              </a:rPr>
+              <a:t>Đăng</a:t>
+            </a:r>
+            <a:r>
+              <a:rPr lang="en-US" dirty="0" smtClean="0">
+                <a:solidFill>
+                  <a:srgbClr val="FF0000"/>
+                </a:solidFill>
+              </a:rPr>
+              <a:t> </a:t>
+            </a:r>
+            <a:r>
+              <a:rPr lang="en-US" dirty="0" err="1" smtClean="0">
+                <a:solidFill>
+                  <a:srgbClr val="FF0000"/>
+                </a:solidFill>
+              </a:rPr>
+              <a:t>kí</a:t>
+            </a:r>
+            <a:endParaRPr lang="en-US" dirty="0">
+              <a:solidFill>
+                <a:srgbClr val="FF0000"/>
+              </a:solidFill>
+            </a:endParaRPr>
           </a:p>
         </p:txBody>
       </p:sp>
@@ -4097,6 +4151,10 @@
             <a:r>
               <a:rPr lang="en-US" dirty="0" err="1" smtClean="0"/>
               <a:t>bán</a:t>
+            </a:r>
+            <a:r>
+              <a:rPr lang="en-US" dirty="0" smtClean="0"/>
+              <a:t> (default is auto fill user logged-in info)</a:t>
             </a:r>
             <a:endParaRPr lang="en-US" dirty="0"/>
           </a:p>
